--- a/WWW/lectures/Lecture13/Lecture13.pptx
+++ b/WWW/lectures/Lecture13/Lecture13.pptx
@@ -4867,7 +4867,6 @@
               <a:rPr lang="en-US" altLang="x-none" sz="3600" dirty="0" smtClean="0"/>
               <a:t>Midterm</a:t>
             </a:r>
-            <a:endParaRPr lang="en-US" altLang="x-none" sz="3600" dirty="0" smtClean="0"/>
           </a:p>
           <a:p>
             <a:pPr eaLnBrk="1" hangingPunct="1">
@@ -4877,7 +4876,6 @@
               <a:rPr lang="en-US" altLang="x-none" sz="3600" dirty="0" smtClean="0"/>
               <a:t>Animation</a:t>
             </a:r>
-            <a:endParaRPr lang="en-US" altLang="x-none" sz="3600" dirty="0" smtClean="0"/>
           </a:p>
           <a:p>
             <a:pPr eaLnBrk="1" hangingPunct="1">
@@ -4885,17 +4883,8 @@
             </a:pPr>
             <a:r>
               <a:rPr lang="en-US" altLang="x-none" sz="3600" dirty="0" smtClean="0"/>
-              <a:t>Practice</a:t>
-            </a:r>
-            <a:r>
-              <a:rPr lang="en-US" altLang="x-none" sz="3600" dirty="0" smtClean="0"/>
-              <a:t>: </a:t>
-            </a:r>
-            <a:r>
-              <a:rPr lang="en-US" altLang="x-none" sz="3600" dirty="0" smtClean="0"/>
-              <a:t>Animated Square</a:t>
-            </a:r>
-            <a:endParaRPr lang="en-US" altLang="x-none" sz="3600" dirty="0" smtClean="0"/>
+              <a:t>Practice: Animated Square</a:t>
+            </a:r>
           </a:p>
           <a:p>
             <a:pPr eaLnBrk="1" hangingPunct="1">
@@ -5008,7 +4997,6 @@
               <a:rPr lang="en-US" altLang="x-none" sz="3600" dirty="0" smtClean="0"/>
               <a:t>Midterm</a:t>
             </a:r>
-            <a:endParaRPr lang="en-US" altLang="x-none" sz="3600" dirty="0" smtClean="0"/>
           </a:p>
           <a:p>
             <a:pPr eaLnBrk="1" hangingPunct="1">
@@ -5024,13 +5012,6 @@
               </a:rPr>
               <a:t>Animation</a:t>
             </a:r>
-            <a:endParaRPr lang="en-US" altLang="x-none" sz="3600" dirty="0" smtClean="0">
-              <a:solidFill>
-                <a:schemeClr val="bg1">
-                  <a:lumMod val="75000"/>
-                </a:schemeClr>
-              </a:solidFill>
-            </a:endParaRPr>
           </a:p>
           <a:p>
             <a:pPr eaLnBrk="1" hangingPunct="1">
@@ -5044,35 +5025,8 @@
                   </a:schemeClr>
                 </a:solidFill>
               </a:rPr>
-              <a:t>Practice</a:t>
-            </a:r>
-            <a:r>
-              <a:rPr lang="en-US" altLang="x-none" sz="3600" dirty="0" smtClean="0">
-                <a:solidFill>
-                  <a:schemeClr val="bg1">
-                    <a:lumMod val="75000"/>
-                  </a:schemeClr>
-                </a:solidFill>
-              </a:rPr>
-              <a:t>: </a:t>
-            </a:r>
-            <a:r>
-              <a:rPr lang="en-US" altLang="x-none" sz="3600" dirty="0" smtClean="0">
-                <a:solidFill>
-                  <a:schemeClr val="bg1">
-                    <a:lumMod val="75000"/>
-                  </a:schemeClr>
-                </a:solidFill>
-              </a:rPr>
-              <a:t>Animated Square</a:t>
-            </a:r>
-            <a:endParaRPr lang="en-US" altLang="x-none" sz="3600" dirty="0" smtClean="0">
-              <a:solidFill>
-                <a:schemeClr val="bg1">
-                  <a:lumMod val="75000"/>
-                </a:schemeClr>
-              </a:solidFill>
-            </a:endParaRPr>
+              <a:t>Practice: Animated Square</a:t>
+            </a:r>
           </a:p>
           <a:p>
             <a:pPr eaLnBrk="1" hangingPunct="1">
@@ -5214,13 +5168,6 @@
               </a:rPr>
               <a:t>Midterm</a:t>
             </a:r>
-            <a:endParaRPr lang="en-US" altLang="x-none" sz="3600" dirty="0" smtClean="0">
-              <a:solidFill>
-                <a:schemeClr val="bg1">
-                  <a:lumMod val="75000"/>
-                </a:schemeClr>
-              </a:solidFill>
-            </a:endParaRPr>
           </a:p>
           <a:p>
             <a:pPr eaLnBrk="1" hangingPunct="1">
@@ -5230,7 +5177,6 @@
               <a:rPr lang="en-US" altLang="x-none" sz="3600" dirty="0" smtClean="0"/>
               <a:t>Animation</a:t>
             </a:r>
-            <a:endParaRPr lang="en-US" altLang="x-none" sz="3600" dirty="0" smtClean="0"/>
           </a:p>
           <a:p>
             <a:pPr eaLnBrk="1" hangingPunct="1">
@@ -5244,35 +5190,8 @@
                   </a:schemeClr>
                 </a:solidFill>
               </a:rPr>
-              <a:t>Practice</a:t>
-            </a:r>
-            <a:r>
-              <a:rPr lang="en-US" altLang="x-none" sz="3600" dirty="0" smtClean="0">
-                <a:solidFill>
-                  <a:schemeClr val="bg1">
-                    <a:lumMod val="75000"/>
-                  </a:schemeClr>
-                </a:solidFill>
-              </a:rPr>
-              <a:t>: </a:t>
-            </a:r>
-            <a:r>
-              <a:rPr lang="en-US" altLang="x-none" sz="3600" dirty="0" smtClean="0">
-                <a:solidFill>
-                  <a:schemeClr val="bg1">
-                    <a:lumMod val="75000"/>
-                  </a:schemeClr>
-                </a:solidFill>
-              </a:rPr>
-              <a:t>Animated Square</a:t>
-            </a:r>
-            <a:endParaRPr lang="en-US" altLang="x-none" sz="3600" dirty="0" smtClean="0">
-              <a:solidFill>
-                <a:schemeClr val="bg1">
-                  <a:lumMod val="75000"/>
-                </a:schemeClr>
-              </a:solidFill>
-            </a:endParaRPr>
+              <a:t>Practice: Animated Square</a:t>
+            </a:r>
           </a:p>
           <a:p>
             <a:pPr eaLnBrk="1" hangingPunct="1">
@@ -5713,7 +5632,7 @@
         </p:nvGraphicFramePr>
         <p:xfrm>
           <a:off x="609600" y="1803400"/>
-          <a:ext cx="8077200" cy="2979420"/>
+          <a:ext cx="8077200" cy="2926080"/>
         </p:xfrm>
         <a:graphic>
           <a:graphicData uri="http://schemas.openxmlformats.org/drawingml/2006/table">
@@ -9202,11 +9121,17 @@
           <p:cNvGraphicFramePr>
             <a:graphicFrameLocks noGrp="1"/>
           </p:cNvGraphicFramePr>
-          <p:nvPr/>
+          <p:nvPr>
+            <p:extLst>
+              <p:ext uri="{D42A27DB-BD31-4B8C-83A1-F6EECF244321}">
+                <p14:modId xmlns:p14="http://schemas.microsoft.com/office/powerpoint/2010/main" val="1217355080"/>
+              </p:ext>
+            </p:extLst>
+          </p:nvPr>
         </p:nvGraphicFramePr>
         <p:xfrm>
           <a:off x="609600" y="5534025"/>
-          <a:ext cx="8077200" cy="1120140"/>
+          <a:ext cx="8077200" cy="1104900"/>
         </p:xfrm>
         <a:graphic>
           <a:graphicData uri="http://schemas.openxmlformats.org/drawingml/2006/table">
@@ -10151,7 +10076,7 @@
                         <a:tabLst/>
                       </a:pPr>
                       <a:r>
-                        <a:rPr kumimoji="0" lang="en-US" altLang="x-none" sz="2000" b="0" i="0" u="none" strike="noStrike" cap="none" normalizeH="0" baseline="0">
+                        <a:rPr kumimoji="0" lang="en-US" altLang="x-none" sz="2000" b="0" i="0" u="none" strike="noStrike" cap="none" normalizeH="0" baseline="0" dirty="0" err="1" smtClean="0">
                           <a:ln>
                             <a:noFill/>
                           </a:ln>
@@ -10161,10 +10086,23 @@
                           <a:effectLst/>
                           <a:latin typeface="Consolas" charset="0"/>
                         </a:rPr>
-                        <a:t>setSize(</a:t>
+                        <a:t>setCanvasSize</a:t>
                       </a:r>
                       <a:r>
-                        <a:rPr kumimoji="0" lang="en-US" altLang="x-none" sz="2000" b="1" i="1" u="none" strike="noStrike" cap="none" normalizeH="0" baseline="0">
+                        <a:rPr kumimoji="0" lang="en-US" altLang="x-none" sz="2000" b="0" i="0" u="none" strike="noStrike" cap="none" normalizeH="0" baseline="0" dirty="0" smtClean="0">
+                          <a:ln>
+                            <a:noFill/>
+                          </a:ln>
+                          <a:solidFill>
+                            <a:schemeClr val="tx1"/>
+                          </a:solidFill>
+                          <a:effectLst/>
+                          <a:latin typeface="Consolas" charset="0"/>
+                        </a:rPr>
+                        <a:t>(</a:t>
+                      </a:r>
+                      <a:r>
+                        <a:rPr kumimoji="0" lang="en-US" altLang="x-none" sz="2000" b="1" i="1" u="none" strike="noStrike" cap="none" normalizeH="0" baseline="0" dirty="0" smtClean="0">
                           <a:ln>
                             <a:noFill/>
                           </a:ln>
@@ -10177,7 +10115,7 @@
                         <a:t>w</a:t>
                       </a:r>
                       <a:r>
-                        <a:rPr kumimoji="0" lang="en-US" altLang="x-none" sz="2000" b="0" i="0" u="none" strike="noStrike" cap="none" normalizeH="0" baseline="0">
+                        <a:rPr kumimoji="0" lang="en-US" altLang="x-none" sz="2000" b="0" i="0" u="none" strike="noStrike" cap="none" normalizeH="0" baseline="0" dirty="0">
                           <a:ln>
                             <a:noFill/>
                           </a:ln>
@@ -10190,7 +10128,7 @@
                         <a:t>, </a:t>
                       </a:r>
                       <a:r>
-                        <a:rPr kumimoji="0" lang="en-US" altLang="x-none" sz="2000" b="1" i="1" u="none" strike="noStrike" cap="none" normalizeH="0" baseline="0">
+                        <a:rPr kumimoji="0" lang="en-US" altLang="x-none" sz="2000" b="1" i="1" u="none" strike="noStrike" cap="none" normalizeH="0" baseline="0" dirty="0">
                           <a:ln>
                             <a:noFill/>
                           </a:ln>
@@ -10203,7 +10141,7 @@
                         <a:t>h</a:t>
                       </a:r>
                       <a:r>
-                        <a:rPr kumimoji="0" lang="en-US" altLang="x-none" sz="2000" b="0" i="0" u="none" strike="noStrike" cap="none" normalizeH="0" baseline="0">
+                        <a:rPr kumimoji="0" lang="en-US" altLang="x-none" sz="2000" b="0" i="0" u="none" strike="noStrike" cap="none" normalizeH="0" baseline="0" dirty="0">
                           <a:ln>
                             <a:noFill/>
                           </a:ln>
@@ -10397,7 +10335,7 @@
                         <a:tabLst/>
                       </a:pPr>
                       <a:r>
-                        <a:rPr kumimoji="0" lang="en-US" altLang="x-none" sz="2000" b="0" i="0" u="none" strike="noStrike" cap="none" normalizeH="0" baseline="0">
+                        <a:rPr kumimoji="0" lang="en-US" altLang="x-none" sz="2000" b="0" i="0" u="none" strike="noStrike" cap="none" normalizeH="0" baseline="0" dirty="0">
                           <a:ln>
                             <a:noFill/>
                           </a:ln>
@@ -10407,7 +10345,33 @@
                           <a:effectLst/>
                           <a:latin typeface="Calibri" charset="0"/>
                         </a:rPr>
-                        <a:t>change the window's width*height size</a:t>
+                        <a:t>change the </a:t>
+                      </a:r>
+                      <a:r>
+                        <a:rPr kumimoji="0" lang="en-US" altLang="x-none" sz="2000" b="0" i="0" u="none" strike="noStrike" cap="none" normalizeH="0" baseline="0" dirty="0" smtClean="0">
+                          <a:ln>
+                            <a:noFill/>
+                          </a:ln>
+                          <a:solidFill>
+                            <a:schemeClr val="tx1"/>
+                          </a:solidFill>
+                          <a:effectLst/>
+                          <a:latin typeface="Calibri" charset="0"/>
+                        </a:rPr>
+                        <a:t>canvas’s width*height </a:t>
+                      </a:r>
+                      <a:r>
+                        <a:rPr kumimoji="0" lang="en-US" altLang="x-none" sz="2000" b="0" i="0" u="none" strike="noStrike" cap="none" normalizeH="0" baseline="0" dirty="0">
+                          <a:ln>
+                            <a:noFill/>
+                          </a:ln>
+                          <a:solidFill>
+                            <a:schemeClr val="tx1"/>
+                          </a:solidFill>
+                          <a:effectLst/>
+                          <a:latin typeface="Calibri" charset="0"/>
+                        </a:rPr>
+                        <a:t>size</a:t>
                       </a:r>
                     </a:p>
                   </a:txBody>
@@ -10568,13 +10532,6 @@
               </a:rPr>
               <a:t>Midterm</a:t>
             </a:r>
-            <a:endParaRPr lang="en-US" altLang="x-none" sz="3600" dirty="0" smtClean="0">
-              <a:solidFill>
-                <a:schemeClr val="bg1">
-                  <a:lumMod val="75000"/>
-                </a:schemeClr>
-              </a:solidFill>
-            </a:endParaRPr>
           </a:p>
           <a:p>
             <a:pPr eaLnBrk="1" hangingPunct="1">
@@ -10590,13 +10547,6 @@
               </a:rPr>
               <a:t>Animation</a:t>
             </a:r>
-            <a:endParaRPr lang="en-US" altLang="x-none" sz="3600" dirty="0" smtClean="0">
-              <a:solidFill>
-                <a:schemeClr val="bg1">
-                  <a:lumMod val="75000"/>
-                </a:schemeClr>
-              </a:solidFill>
-            </a:endParaRPr>
           </a:p>
           <a:p>
             <a:pPr eaLnBrk="1" hangingPunct="1">
@@ -10604,17 +10554,8 @@
             </a:pPr>
             <a:r>
               <a:rPr lang="en-US" altLang="x-none" sz="3600" dirty="0" smtClean="0"/>
-              <a:t>Practice</a:t>
-            </a:r>
-            <a:r>
-              <a:rPr lang="en-US" altLang="x-none" sz="3600" dirty="0" smtClean="0"/>
-              <a:t>: </a:t>
-            </a:r>
-            <a:r>
-              <a:rPr lang="en-US" altLang="x-none" sz="3600" dirty="0" smtClean="0"/>
-              <a:t>Animated Square</a:t>
-            </a:r>
-            <a:endParaRPr lang="en-US" altLang="x-none" sz="3600" dirty="0" smtClean="0"/>
+              <a:t>Practice: Animated Square</a:t>
+            </a:r>
           </a:p>
           <a:p>
             <a:pPr eaLnBrk="1" hangingPunct="1">
@@ -10726,7 +10667,6 @@
               <a:rPr lang="en-US" altLang="x-none" sz="3600" dirty="0" smtClean="0"/>
               <a:t>Midterm</a:t>
             </a:r>
-            <a:endParaRPr lang="en-US" altLang="x-none" sz="3600" dirty="0" smtClean="0"/>
           </a:p>
           <a:p>
             <a:pPr eaLnBrk="1" hangingPunct="1">
@@ -10736,7 +10676,6 @@
               <a:rPr lang="en-US" altLang="x-none" sz="3600" dirty="0" smtClean="0"/>
               <a:t>Animation</a:t>
             </a:r>
-            <a:endParaRPr lang="en-US" altLang="x-none" sz="3600" dirty="0" smtClean="0"/>
           </a:p>
           <a:p>
             <a:pPr eaLnBrk="1" hangingPunct="1">
@@ -10744,17 +10683,8 @@
             </a:pPr>
             <a:r>
               <a:rPr lang="en-US" altLang="x-none" sz="3600" dirty="0" smtClean="0"/>
-              <a:t>Practice</a:t>
-            </a:r>
-            <a:r>
-              <a:rPr lang="en-US" altLang="x-none" sz="3600" dirty="0" smtClean="0"/>
-              <a:t>: </a:t>
-            </a:r>
-            <a:r>
-              <a:rPr lang="en-US" altLang="x-none" sz="3600" dirty="0" smtClean="0"/>
-              <a:t>Animated Square</a:t>
-            </a:r>
-            <a:endParaRPr lang="en-US" altLang="x-none" sz="3600" dirty="0" smtClean="0"/>
+              <a:t>Practice: Animated Square</a:t>
+            </a:r>
           </a:p>
           <a:p>
             <a:pPr eaLnBrk="1" hangingPunct="1">
@@ -10791,7 +10721,6 @@
               <a:rPr lang="en-US" altLang="x-none" sz="3600" b="1" dirty="0" smtClean="0"/>
               <a:t>Next Time: Interactive Graphics Programs</a:t>
             </a:r>
-            <a:endParaRPr lang="en-US" altLang="x-none" sz="3600" b="1" dirty="0" smtClean="0"/>
           </a:p>
         </p:txBody>
       </p:sp>
